--- a/PLAY N’ LEARN.pptx
+++ b/PLAY N’ LEARN.pptx
@@ -266,7 +266,7 @@
           <a:p>
             <a:fld id="{1BEFBEA3-8D1C-49EA-A0FA-1CE706BC7B10}" type="datetimeFigureOut">
               <a:rPr lang="en-US" smtClean="0"/>
-              <a:t>9/19/2018</a:t>
+              <a:t>9/22/2018</a:t>
             </a:fld>
             <a:endParaRPr lang="en-US"/>
           </a:p>
@@ -464,7 +464,7 @@
           <a:p>
             <a:fld id="{1BEFBEA3-8D1C-49EA-A0FA-1CE706BC7B10}" type="datetimeFigureOut">
               <a:rPr lang="en-US" smtClean="0"/>
-              <a:t>9/19/2018</a:t>
+              <a:t>9/22/2018</a:t>
             </a:fld>
             <a:endParaRPr lang="en-US"/>
           </a:p>
@@ -672,7 +672,7 @@
           <a:p>
             <a:fld id="{1BEFBEA3-8D1C-49EA-A0FA-1CE706BC7B10}" type="datetimeFigureOut">
               <a:rPr lang="en-US" smtClean="0"/>
-              <a:t>9/19/2018</a:t>
+              <a:t>9/22/2018</a:t>
             </a:fld>
             <a:endParaRPr lang="en-US"/>
           </a:p>
@@ -870,7 +870,7 @@
           <a:p>
             <a:fld id="{1BEFBEA3-8D1C-49EA-A0FA-1CE706BC7B10}" type="datetimeFigureOut">
               <a:rPr lang="en-US" smtClean="0"/>
-              <a:t>9/19/2018</a:t>
+              <a:t>9/22/2018</a:t>
             </a:fld>
             <a:endParaRPr lang="en-US"/>
           </a:p>
@@ -1145,7 +1145,7 @@
           <a:p>
             <a:fld id="{1BEFBEA3-8D1C-49EA-A0FA-1CE706BC7B10}" type="datetimeFigureOut">
               <a:rPr lang="en-US" smtClean="0"/>
-              <a:t>9/19/2018</a:t>
+              <a:t>9/22/2018</a:t>
             </a:fld>
             <a:endParaRPr lang="en-US"/>
           </a:p>
@@ -1410,7 +1410,7 @@
           <a:p>
             <a:fld id="{1BEFBEA3-8D1C-49EA-A0FA-1CE706BC7B10}" type="datetimeFigureOut">
               <a:rPr lang="en-US" smtClean="0"/>
-              <a:t>9/19/2018</a:t>
+              <a:t>9/22/2018</a:t>
             </a:fld>
             <a:endParaRPr lang="en-US"/>
           </a:p>
@@ -1822,7 +1822,7 @@
           <a:p>
             <a:fld id="{1BEFBEA3-8D1C-49EA-A0FA-1CE706BC7B10}" type="datetimeFigureOut">
               <a:rPr lang="en-US" smtClean="0"/>
-              <a:t>9/19/2018</a:t>
+              <a:t>9/22/2018</a:t>
             </a:fld>
             <a:endParaRPr lang="en-US"/>
           </a:p>
@@ -1963,7 +1963,7 @@
           <a:p>
             <a:fld id="{1BEFBEA3-8D1C-49EA-A0FA-1CE706BC7B10}" type="datetimeFigureOut">
               <a:rPr lang="en-US" smtClean="0"/>
-              <a:t>9/19/2018</a:t>
+              <a:t>9/22/2018</a:t>
             </a:fld>
             <a:endParaRPr lang="en-US"/>
           </a:p>
@@ -2076,7 +2076,7 @@
           <a:p>
             <a:fld id="{1BEFBEA3-8D1C-49EA-A0FA-1CE706BC7B10}" type="datetimeFigureOut">
               <a:rPr lang="en-US" smtClean="0"/>
-              <a:t>9/19/2018</a:t>
+              <a:t>9/22/2018</a:t>
             </a:fld>
             <a:endParaRPr lang="en-US"/>
           </a:p>
@@ -2387,7 +2387,7 @@
           <a:p>
             <a:fld id="{1BEFBEA3-8D1C-49EA-A0FA-1CE706BC7B10}" type="datetimeFigureOut">
               <a:rPr lang="en-US" smtClean="0"/>
-              <a:t>9/19/2018</a:t>
+              <a:t>9/22/2018</a:t>
             </a:fld>
             <a:endParaRPr lang="en-US"/>
           </a:p>
@@ -2675,7 +2675,7 @@
           <a:p>
             <a:fld id="{1BEFBEA3-8D1C-49EA-A0FA-1CE706BC7B10}" type="datetimeFigureOut">
               <a:rPr lang="en-US" smtClean="0"/>
-              <a:t>9/19/2018</a:t>
+              <a:t>9/22/2018</a:t>
             </a:fld>
             <a:endParaRPr lang="en-US"/>
           </a:p>
@@ -2916,7 +2916,7 @@
           <a:p>
             <a:fld id="{1BEFBEA3-8D1C-49EA-A0FA-1CE706BC7B10}" type="datetimeFigureOut">
               <a:rPr lang="en-US" smtClean="0"/>
-              <a:t>9/19/2018</a:t>
+              <a:t>9/22/2018</a:t>
             </a:fld>
             <a:endParaRPr lang="en-US"/>
           </a:p>
@@ -3872,7 +3872,31 @@
                 </a:solidFill>
                 <a:latin typeface="Franklin Gothic Medium" panose="020B0603020102020204" pitchFamily="34" charset="0"/>
               </a:rPr>
-              <a:t>The app has various languages like HTML, CSS, JAVA, etc.</a:t>
+              <a:t>The app has various languages like HTML, CSS</a:t>
+            </a:r>
+            <a:r>
+              <a:rPr lang="en-US">
+                <a:solidFill>
+                  <a:schemeClr val="tx1">
+                    <a:lumMod val="75000"/>
+                    <a:lumOff val="25000"/>
+                  </a:schemeClr>
+                </a:solidFill>
+                <a:latin typeface="Franklin Gothic Medium" panose="020B0603020102020204" pitchFamily="34" charset="0"/>
+              </a:rPr>
+              <a:t>, JAVASCRIPT, </a:t>
+            </a:r>
+            <a:r>
+              <a:rPr lang="en-US" dirty="0">
+                <a:solidFill>
+                  <a:schemeClr val="tx1">
+                    <a:lumMod val="75000"/>
+                    <a:lumOff val="25000"/>
+                  </a:schemeClr>
+                </a:solidFill>
+                <a:latin typeface="Franklin Gothic Medium" panose="020B0603020102020204" pitchFamily="34" charset="0"/>
+              </a:rPr>
+              <a:t>etc.</a:t>
             </a:r>
           </a:p>
           <a:p>
